--- a/Composite/resources/BFF.pptx
+++ b/Composite/resources/BFF.pptx
@@ -109,6 +109,11 @@
       </a:defRPr>
     </a:lvl9pPr>
   </p:defaultTextStyle>
+  <p:extLst>
+    <p:ext uri="{EFAFB233-063F-42B5-8137-9DF3F51BA10A}">
+      <p15:sldGuideLst xmlns:p15="http://schemas.microsoft.com/office/powerpoint/2012/main"/>
+    </p:ext>
+  </p:extLst>
 </p:presentation>
 </file>
 
@@ -259,7 +264,7 @@
           <a:p>
             <a:fld id="{A064E41A-10B2-4B17-8D0E-DAC6C450A859}" type="datetimeFigureOut">
               <a:rPr lang="pt-BR" smtClean="0"/>
-              <a:t>10/12/2019</a:t>
+              <a:t>11/12/2019</a:t>
             </a:fld>
             <a:endParaRPr lang="pt-BR"/>
           </a:p>
@@ -457,7 +462,7 @@
           <a:p>
             <a:fld id="{A064E41A-10B2-4B17-8D0E-DAC6C450A859}" type="datetimeFigureOut">
               <a:rPr lang="pt-BR" smtClean="0"/>
-              <a:t>10/12/2019</a:t>
+              <a:t>11/12/2019</a:t>
             </a:fld>
             <a:endParaRPr lang="pt-BR"/>
           </a:p>
@@ -665,7 +670,7 @@
           <a:p>
             <a:fld id="{A064E41A-10B2-4B17-8D0E-DAC6C450A859}" type="datetimeFigureOut">
               <a:rPr lang="pt-BR" smtClean="0"/>
-              <a:t>10/12/2019</a:t>
+              <a:t>11/12/2019</a:t>
             </a:fld>
             <a:endParaRPr lang="pt-BR"/>
           </a:p>
@@ -863,7 +868,7 @@
           <a:p>
             <a:fld id="{A064E41A-10B2-4B17-8D0E-DAC6C450A859}" type="datetimeFigureOut">
               <a:rPr lang="pt-BR" smtClean="0"/>
-              <a:t>10/12/2019</a:t>
+              <a:t>11/12/2019</a:t>
             </a:fld>
             <a:endParaRPr lang="pt-BR"/>
           </a:p>
@@ -1138,7 +1143,7 @@
           <a:p>
             <a:fld id="{A064E41A-10B2-4B17-8D0E-DAC6C450A859}" type="datetimeFigureOut">
               <a:rPr lang="pt-BR" smtClean="0"/>
-              <a:t>10/12/2019</a:t>
+              <a:t>11/12/2019</a:t>
             </a:fld>
             <a:endParaRPr lang="pt-BR"/>
           </a:p>
@@ -1403,7 +1408,7 @@
           <a:p>
             <a:fld id="{A064E41A-10B2-4B17-8D0E-DAC6C450A859}" type="datetimeFigureOut">
               <a:rPr lang="pt-BR" smtClean="0"/>
-              <a:t>10/12/2019</a:t>
+              <a:t>11/12/2019</a:t>
             </a:fld>
             <a:endParaRPr lang="pt-BR"/>
           </a:p>
@@ -1815,7 +1820,7 @@
           <a:p>
             <a:fld id="{A064E41A-10B2-4B17-8D0E-DAC6C450A859}" type="datetimeFigureOut">
               <a:rPr lang="pt-BR" smtClean="0"/>
-              <a:t>10/12/2019</a:t>
+              <a:t>11/12/2019</a:t>
             </a:fld>
             <a:endParaRPr lang="pt-BR"/>
           </a:p>
@@ -1956,7 +1961,7 @@
           <a:p>
             <a:fld id="{A064E41A-10B2-4B17-8D0E-DAC6C450A859}" type="datetimeFigureOut">
               <a:rPr lang="pt-BR" smtClean="0"/>
-              <a:t>10/12/2019</a:t>
+              <a:t>11/12/2019</a:t>
             </a:fld>
             <a:endParaRPr lang="pt-BR"/>
           </a:p>
@@ -2069,7 +2074,7 @@
           <a:p>
             <a:fld id="{A064E41A-10B2-4B17-8D0E-DAC6C450A859}" type="datetimeFigureOut">
               <a:rPr lang="pt-BR" smtClean="0"/>
-              <a:t>10/12/2019</a:t>
+              <a:t>11/12/2019</a:t>
             </a:fld>
             <a:endParaRPr lang="pt-BR"/>
           </a:p>
@@ -2380,7 +2385,7 @@
           <a:p>
             <a:fld id="{A064E41A-10B2-4B17-8D0E-DAC6C450A859}" type="datetimeFigureOut">
               <a:rPr lang="pt-BR" smtClean="0"/>
-              <a:t>10/12/2019</a:t>
+              <a:t>11/12/2019</a:t>
             </a:fld>
             <a:endParaRPr lang="pt-BR"/>
           </a:p>
@@ -2668,7 +2673,7 @@
           <a:p>
             <a:fld id="{A064E41A-10B2-4B17-8D0E-DAC6C450A859}" type="datetimeFigureOut">
               <a:rPr lang="pt-BR" smtClean="0"/>
-              <a:t>10/12/2019</a:t>
+              <a:t>11/12/2019</a:t>
             </a:fld>
             <a:endParaRPr lang="pt-BR"/>
           </a:p>
@@ -2909,7 +2914,7 @@
           <a:p>
             <a:fld id="{A064E41A-10B2-4B17-8D0E-DAC6C450A859}" type="datetimeFigureOut">
               <a:rPr lang="pt-BR" smtClean="0"/>
-              <a:t>10/12/2019</a:t>
+              <a:t>11/12/2019</a:t>
             </a:fld>
             <a:endParaRPr lang="pt-BR"/>
           </a:p>
@@ -3953,6 +3958,26 @@
                   <a:srgbClr val="002060"/>
                 </a:solidFill>
               </a:rPr>
+              <a:t>Não é lugar pra lógica de negócio</a:t>
+            </a:r>
+          </a:p>
+          <a:p>
+            <a:r>
+              <a:rPr lang="pt-BR" dirty="0">
+                <a:solidFill>
+                  <a:srgbClr val="002060"/>
+                </a:solidFill>
+              </a:rPr>
+              <a:t>Responsabilidade da equipe</a:t>
+            </a:r>
+          </a:p>
+          <a:p>
+            <a:r>
+              <a:rPr lang="pt-BR" dirty="0">
+                <a:solidFill>
+                  <a:srgbClr val="002060"/>
+                </a:solidFill>
+              </a:rPr>
               <a:t>Generalização da lógica</a:t>
             </a:r>
           </a:p>
@@ -3994,7 +4019,7 @@
         </p:blipFill>
         <p:spPr bwMode="auto">
           <a:xfrm>
-            <a:off x="5903843" y="2239617"/>
+            <a:off x="6389618" y="2213113"/>
             <a:ext cx="5802382" cy="2901191"/>
           </a:xfrm>
           <a:prstGeom prst="rect">
